--- a/Day6/Playing Attari With Agents.pptx
+++ b/Day6/Playing Attari With Agents.pptx
@@ -14,6 +14,16 @@
     <p:sldId id="262" r:id="rId8"/>
     <p:sldId id="263" r:id="rId9"/>
     <p:sldId id="264" r:id="rId10"/>
+    <p:sldId id="265" r:id="rId11"/>
+    <p:sldId id="266" r:id="rId12"/>
+    <p:sldId id="267" r:id="rId13"/>
+    <p:sldId id="268" r:id="rId14"/>
+    <p:sldId id="269" r:id="rId15"/>
+    <p:sldId id="270" r:id="rId16"/>
+    <p:sldId id="271" r:id="rId17"/>
+    <p:sldId id="272" r:id="rId18"/>
+    <p:sldId id="273" r:id="rId19"/>
+    <p:sldId id="274" r:id="rId20"/>
   </p:sldIdLst>
   <p:sldSz cx="12192000" cy="6858000"/>
   <p:notesSz cx="6858000" cy="9144000"/>
@@ -112,6 +122,11 @@
       </a:defRPr>
     </a:lvl9pPr>
   </p:defaultTextStyle>
+  <p:extLst>
+    <p:ext uri="{EFAFB233-063F-42B5-8137-9DF3F51BA10A}">
+      <p15:sldGuideLst xmlns:p15="http://schemas.microsoft.com/office/powerpoint/2012/main"/>
+    </p:ext>
+  </p:extLst>
 </p:presentation>
 </file>
 
@@ -3373,19 +3388,22 @@
           </a:xfrm>
         </p:spPr>
         <p:txBody>
-          <a:bodyPr/>
+          <a:bodyPr>
+            <a:normAutofit fontScale="90000"/>
+          </a:bodyPr>
           <a:lstStyle/>
           <a:p>
             <a:r>
               <a:rPr lang="en-US" dirty="0">
-                <a:latin typeface="Segoe UI Light" panose="020B0502040204020203" pitchFamily="34" charset="0"/>
-                <a:cs typeface="Segoe UI Light" panose="020B0502040204020203" pitchFamily="34" charset="0"/>
+                <a:latin typeface="Segoe UI Semibold" panose="020B0702040204020203" pitchFamily="34" charset="0"/>
+                <a:cs typeface="Segoe UI Semibold" panose="020B0702040204020203" pitchFamily="34" charset="0"/>
+                <a:hlinkClick r:id="rId2"/>
               </a:rPr>
               <a:t>Playing Attari With Agents</a:t>
             </a:r>
             <a:endParaRPr lang="en-IN" dirty="0">
-              <a:latin typeface="Segoe UI Light" panose="020B0502040204020203" pitchFamily="34" charset="0"/>
-              <a:cs typeface="Segoe UI Light" panose="020B0502040204020203" pitchFamily="34" charset="0"/>
+              <a:latin typeface="Segoe UI Semibold" panose="020B0702040204020203" pitchFamily="34" charset="0"/>
+              <a:cs typeface="Segoe UI Semibold" panose="020B0702040204020203" pitchFamily="34" charset="0"/>
             </a:endParaRPr>
           </a:p>
         </p:txBody>
@@ -3445,7 +3463,7 @@
           <p:nvPr/>
         </p:nvPicPr>
         <p:blipFill>
-          <a:blip r:embed="rId2"/>
+          <a:blip r:embed="rId3"/>
           <a:stretch>
             <a:fillRect/>
           </a:stretch>
@@ -3473,6 +3491,1106 @@
 </p:sld>
 </file>
 
+<file path=ppt/slides/slide10.xml><?xml version="1.0" encoding="utf-8"?>
+<p:sld xmlns:a="http://schemas.openxmlformats.org/drawingml/2006/main" xmlns:r="http://schemas.openxmlformats.org/officeDocument/2006/relationships" xmlns:p="http://schemas.openxmlformats.org/presentationml/2006/main">
+  <p:cSld>
+    <p:spTree>
+      <p:nvGrpSpPr>
+        <p:cNvPr id="1" name=""/>
+        <p:cNvGrpSpPr/>
+        <p:nvPr/>
+      </p:nvGrpSpPr>
+      <p:grpSpPr>
+        <a:xfrm>
+          <a:off x="0" y="0"/>
+          <a:ext cx="0" cy="0"/>
+          <a:chOff x="0" y="0"/>
+          <a:chExt cx="0" cy="0"/>
+        </a:xfrm>
+      </p:grpSpPr>
+      <p:sp>
+        <p:nvSpPr>
+          <p:cNvPr id="2" name="Title 1">
+            <a:extLst>
+              <a:ext uri="{FF2B5EF4-FFF2-40B4-BE49-F238E27FC236}">
+                <a16:creationId xmlns:a16="http://schemas.microsoft.com/office/drawing/2014/main" id="{BC02298A-45DC-751C-624C-731E37A9BD72}"/>
+              </a:ext>
+            </a:extLst>
+          </p:cNvPr>
+          <p:cNvSpPr>
+            <a:spLocks noGrp="1"/>
+          </p:cNvSpPr>
+          <p:nvPr>
+            <p:ph type="title"/>
+          </p:nvPr>
+        </p:nvSpPr>
+        <p:spPr/>
+        <p:txBody>
+          <a:bodyPr/>
+          <a:lstStyle/>
+          <a:p>
+            <a:r>
+              <a:rPr lang="en-US" dirty="0">
+                <a:latin typeface="Segoe UI Semibold" panose="020B0702040204020203" pitchFamily="34" charset="0"/>
+                <a:cs typeface="Segoe UI Semibold" panose="020B0702040204020203" pitchFamily="34" charset="0"/>
+              </a:rPr>
+              <a:t>Store this experience for learning</a:t>
+            </a:r>
+            <a:endParaRPr lang="en-IN" dirty="0">
+              <a:latin typeface="Segoe UI Semibold" panose="020B0702040204020203" pitchFamily="34" charset="0"/>
+              <a:cs typeface="Segoe UI Semibold" panose="020B0702040204020203" pitchFamily="34" charset="0"/>
+            </a:endParaRPr>
+          </a:p>
+        </p:txBody>
+      </p:sp>
+      <p:sp>
+        <p:nvSpPr>
+          <p:cNvPr id="3" name="Content Placeholder 2">
+            <a:extLst>
+              <a:ext uri="{FF2B5EF4-FFF2-40B4-BE49-F238E27FC236}">
+                <a16:creationId xmlns:a16="http://schemas.microsoft.com/office/drawing/2014/main" id="{6AB7B0CE-5087-2746-B2DA-B3863FCD81E9}"/>
+              </a:ext>
+            </a:extLst>
+          </p:cNvPr>
+          <p:cNvSpPr>
+            <a:spLocks noGrp="1"/>
+          </p:cNvSpPr>
+          <p:nvPr>
+            <p:ph idx="1"/>
+          </p:nvPr>
+        </p:nvSpPr>
+        <p:spPr/>
+        <p:txBody>
+          <a:bodyPr/>
+          <a:lstStyle/>
+          <a:p>
+            <a:r>
+              <a:rPr lang="en-US" dirty="0"/>
+              <a:t>🧠</a:t>
+            </a:r>
+            <a:r>
+              <a:rPr lang="en-US" b="1" dirty="0"/>
+              <a:t> Why?</a:t>
+            </a:r>
+          </a:p>
+          <a:p>
+            <a:pPr marL="0" indent="0">
+              <a:buNone/>
+            </a:pPr>
+            <a:r>
+              <a:rPr lang="en-US" dirty="0"/>
+              <a:t>The agent learns not immediately, but by storing each experience and then training on it later. This experience is stored in what’s called : Replay Buffer or Experience Memory</a:t>
+            </a:r>
+            <a:endParaRPr lang="en-IN" dirty="0"/>
+          </a:p>
+        </p:txBody>
+      </p:sp>
+      <p:pic>
+        <p:nvPicPr>
+          <p:cNvPr id="8" name="Picture 7">
+            <a:extLst>
+              <a:ext uri="{FF2B5EF4-FFF2-40B4-BE49-F238E27FC236}">
+                <a16:creationId xmlns:a16="http://schemas.microsoft.com/office/drawing/2014/main" id="{38F9C0AA-98C3-15C7-F1E1-793045967C99}"/>
+              </a:ext>
+            </a:extLst>
+          </p:cNvPr>
+          <p:cNvPicPr>
+            <a:picLocks noChangeAspect="1"/>
+          </p:cNvPicPr>
+          <p:nvPr/>
+        </p:nvPicPr>
+        <p:blipFill>
+          <a:blip r:embed="rId2"/>
+          <a:stretch>
+            <a:fillRect/>
+          </a:stretch>
+        </p:blipFill>
+        <p:spPr>
+          <a:xfrm>
+            <a:off x="2655876" y="3675184"/>
+            <a:ext cx="6374923" cy="3079750"/>
+          </a:xfrm>
+          <a:prstGeom prst="rect">
+            <a:avLst/>
+          </a:prstGeom>
+        </p:spPr>
+      </p:pic>
+    </p:spTree>
+    <p:extLst>
+      <p:ext uri="{BB962C8B-B14F-4D97-AF65-F5344CB8AC3E}">
+        <p14:creationId xmlns:p14="http://schemas.microsoft.com/office/powerpoint/2010/main" val="1774301164"/>
+      </p:ext>
+    </p:extLst>
+  </p:cSld>
+  <p:clrMapOvr>
+    <a:masterClrMapping/>
+  </p:clrMapOvr>
+</p:sld>
+</file>
+
+<file path=ppt/slides/slide11.xml><?xml version="1.0" encoding="utf-8"?>
+<p:sld xmlns:a="http://schemas.openxmlformats.org/drawingml/2006/main" xmlns:r="http://schemas.openxmlformats.org/officeDocument/2006/relationships" xmlns:p="http://schemas.openxmlformats.org/presentationml/2006/main">
+  <p:cSld>
+    <p:spTree>
+      <p:nvGrpSpPr>
+        <p:cNvPr id="1" name=""/>
+        <p:cNvGrpSpPr/>
+        <p:nvPr/>
+      </p:nvGrpSpPr>
+      <p:grpSpPr>
+        <a:xfrm>
+          <a:off x="0" y="0"/>
+          <a:ext cx="0" cy="0"/>
+          <a:chOff x="0" y="0"/>
+          <a:chExt cx="0" cy="0"/>
+        </a:xfrm>
+      </p:grpSpPr>
+      <p:sp>
+        <p:nvSpPr>
+          <p:cNvPr id="2" name="Title 1">
+            <a:extLst>
+              <a:ext uri="{FF2B5EF4-FFF2-40B4-BE49-F238E27FC236}">
+                <a16:creationId xmlns:a16="http://schemas.microsoft.com/office/drawing/2014/main" id="{E3E3C228-08BD-3D64-503A-419F7937D1F2}"/>
+              </a:ext>
+            </a:extLst>
+          </p:cNvPr>
+          <p:cNvSpPr>
+            <a:spLocks noGrp="1"/>
+          </p:cNvSpPr>
+          <p:nvPr>
+            <p:ph type="title"/>
+          </p:nvPr>
+        </p:nvSpPr>
+        <p:spPr/>
+        <p:txBody>
+          <a:bodyPr/>
+          <a:lstStyle/>
+          <a:p>
+            <a:r>
+              <a:rPr lang="en-US" dirty="0">
+                <a:latin typeface="Segoe UI Semibold" panose="020B0702040204020203" pitchFamily="34" charset="0"/>
+                <a:cs typeface="Segoe UI Semibold" panose="020B0702040204020203" pitchFamily="34" charset="0"/>
+              </a:rPr>
+              <a:t>Why storing experience helps?</a:t>
+            </a:r>
+            <a:endParaRPr lang="en-IN" dirty="0">
+              <a:latin typeface="Segoe UI Semibold" panose="020B0702040204020203" pitchFamily="34" charset="0"/>
+              <a:cs typeface="Segoe UI Semibold" panose="020B0702040204020203" pitchFamily="34" charset="0"/>
+            </a:endParaRPr>
+          </a:p>
+        </p:txBody>
+      </p:sp>
+      <p:pic>
+        <p:nvPicPr>
+          <p:cNvPr id="9" name="Picture 8">
+            <a:extLst>
+              <a:ext uri="{FF2B5EF4-FFF2-40B4-BE49-F238E27FC236}">
+                <a16:creationId xmlns:a16="http://schemas.microsoft.com/office/drawing/2014/main" id="{22427C31-F758-C6DD-EF0D-A7213AF5145F}"/>
+              </a:ext>
+            </a:extLst>
+          </p:cNvPr>
+          <p:cNvPicPr>
+            <a:picLocks noChangeAspect="1"/>
+          </p:cNvPicPr>
+          <p:nvPr/>
+        </p:nvPicPr>
+        <p:blipFill>
+          <a:blip r:embed="rId2"/>
+          <a:stretch>
+            <a:fillRect/>
+          </a:stretch>
+        </p:blipFill>
+        <p:spPr>
+          <a:xfrm>
+            <a:off x="2399728" y="1880235"/>
+            <a:ext cx="8088440" cy="4286250"/>
+          </a:xfrm>
+          <a:prstGeom prst="rect">
+            <a:avLst/>
+          </a:prstGeom>
+        </p:spPr>
+      </p:pic>
+    </p:spTree>
+    <p:extLst>
+      <p:ext uri="{BB962C8B-B14F-4D97-AF65-F5344CB8AC3E}">
+        <p14:creationId xmlns:p14="http://schemas.microsoft.com/office/powerpoint/2010/main" val="1133490283"/>
+      </p:ext>
+    </p:extLst>
+  </p:cSld>
+  <p:clrMapOvr>
+    <a:masterClrMapping/>
+  </p:clrMapOvr>
+</p:sld>
+</file>
+
+<file path=ppt/slides/slide12.xml><?xml version="1.0" encoding="utf-8"?>
+<p:sld xmlns:a="http://schemas.openxmlformats.org/drawingml/2006/main" xmlns:r="http://schemas.openxmlformats.org/officeDocument/2006/relationships" xmlns:p="http://schemas.openxmlformats.org/presentationml/2006/main">
+  <p:cSld>
+    <p:spTree>
+      <p:nvGrpSpPr>
+        <p:cNvPr id="1" name=""/>
+        <p:cNvGrpSpPr/>
+        <p:nvPr/>
+      </p:nvGrpSpPr>
+      <p:grpSpPr>
+        <a:xfrm>
+          <a:off x="0" y="0"/>
+          <a:ext cx="0" cy="0"/>
+          <a:chOff x="0" y="0"/>
+          <a:chExt cx="0" cy="0"/>
+        </a:xfrm>
+      </p:grpSpPr>
+      <p:sp>
+        <p:nvSpPr>
+          <p:cNvPr id="2" name="Title 1">
+            <a:extLst>
+              <a:ext uri="{FF2B5EF4-FFF2-40B4-BE49-F238E27FC236}">
+                <a16:creationId xmlns:a16="http://schemas.microsoft.com/office/drawing/2014/main" id="{DFA5AD2A-C644-CE79-77DB-46D1129110B0}"/>
+              </a:ext>
+            </a:extLst>
+          </p:cNvPr>
+          <p:cNvSpPr>
+            <a:spLocks noGrp="1"/>
+          </p:cNvSpPr>
+          <p:nvPr>
+            <p:ph type="title"/>
+          </p:nvPr>
+        </p:nvSpPr>
+        <p:spPr>
+          <a:xfrm>
+            <a:off x="211015" y="593114"/>
+            <a:ext cx="11769969" cy="1964837"/>
+          </a:xfrm>
+        </p:spPr>
+        <p:txBody>
+          <a:bodyPr>
+            <a:normAutofit fontScale="90000"/>
+          </a:bodyPr>
+          <a:lstStyle/>
+          <a:p>
+            <a:r>
+              <a:rPr lang="en-US" b="1" dirty="0">
+                <a:latin typeface="Segoe UI Semibold" panose="020B0702040204020203" pitchFamily="34" charset="0"/>
+                <a:cs typeface="Segoe UI Semibold" panose="020B0702040204020203" pitchFamily="34" charset="0"/>
+              </a:rPr>
+              <a:t>DQN</a:t>
+            </a:r>
+            <a:r>
+              <a:rPr lang="en-US" dirty="0">
+                <a:latin typeface="Segoe UI Semibold" panose="020B0702040204020203" pitchFamily="34" charset="0"/>
+                <a:cs typeface="Segoe UI Semibold" panose="020B0702040204020203" pitchFamily="34" charset="0"/>
+              </a:rPr>
+              <a:t> = Deep Q-Network</a:t>
+            </a:r>
+            <a:br>
+              <a:rPr lang="en-US" dirty="0">
+                <a:latin typeface="Segoe UI Semibold" panose="020B0702040204020203" pitchFamily="34" charset="0"/>
+                <a:cs typeface="Segoe UI Semibold" panose="020B0702040204020203" pitchFamily="34" charset="0"/>
+              </a:rPr>
+            </a:br>
+            <a:br>
+              <a:rPr lang="en-US" dirty="0">
+                <a:latin typeface="Segoe UI Semibold" panose="020B0702040204020203" pitchFamily="34" charset="0"/>
+                <a:cs typeface="Segoe UI Semibold" panose="020B0702040204020203" pitchFamily="34" charset="0"/>
+              </a:rPr>
+            </a:br>
+            <a:r>
+              <a:rPr lang="en-US" dirty="0">
+                <a:latin typeface="Segoe UI Semibold" panose="020B0702040204020203" pitchFamily="34" charset="0"/>
+                <a:cs typeface="Segoe UI Semibold" panose="020B0702040204020203" pitchFamily="34" charset="0"/>
+              </a:rPr>
+              <a:t>It combines </a:t>
+            </a:r>
+            <a:r>
+              <a:rPr lang="en-US" b="1" dirty="0">
+                <a:latin typeface="Segoe UI Semibold" panose="020B0702040204020203" pitchFamily="34" charset="0"/>
+                <a:cs typeface="Segoe UI Semibold" panose="020B0702040204020203" pitchFamily="34" charset="0"/>
+              </a:rPr>
+              <a:t>Q-Learning</a:t>
+            </a:r>
+            <a:r>
+              <a:rPr lang="en-US" dirty="0">
+                <a:latin typeface="Segoe UI Semibold" panose="020B0702040204020203" pitchFamily="34" charset="0"/>
+                <a:cs typeface="Segoe UI Semibold" panose="020B0702040204020203" pitchFamily="34" charset="0"/>
+              </a:rPr>
+              <a:t> with </a:t>
+            </a:r>
+            <a:r>
+              <a:rPr lang="en-US" b="1" dirty="0">
+                <a:latin typeface="Segoe UI Semibold" panose="020B0702040204020203" pitchFamily="34" charset="0"/>
+                <a:cs typeface="Segoe UI Semibold" panose="020B0702040204020203" pitchFamily="34" charset="0"/>
+              </a:rPr>
+              <a:t>a neural network</a:t>
+            </a:r>
+            <a:r>
+              <a:rPr lang="en-US" dirty="0">
+                <a:latin typeface="Segoe UI Semibold" panose="020B0702040204020203" pitchFamily="34" charset="0"/>
+                <a:cs typeface="Segoe UI Semibold" panose="020B0702040204020203" pitchFamily="34" charset="0"/>
+              </a:rPr>
+              <a:t> to learn how to act in complex environments like Pong.</a:t>
+            </a:r>
+            <a:endParaRPr lang="en-IN" dirty="0">
+              <a:latin typeface="Segoe UI Semibold" panose="020B0702040204020203" pitchFamily="34" charset="0"/>
+              <a:cs typeface="Segoe UI Semibold" panose="020B0702040204020203" pitchFamily="34" charset="0"/>
+            </a:endParaRPr>
+          </a:p>
+        </p:txBody>
+      </p:sp>
+      <p:sp>
+        <p:nvSpPr>
+          <p:cNvPr id="3" name="Content Placeholder 2">
+            <a:extLst>
+              <a:ext uri="{FF2B5EF4-FFF2-40B4-BE49-F238E27FC236}">
+                <a16:creationId xmlns:a16="http://schemas.microsoft.com/office/drawing/2014/main" id="{56C53CC8-3595-799E-BCDC-AD6016D1156D}"/>
+              </a:ext>
+            </a:extLst>
+          </p:cNvPr>
+          <p:cNvSpPr>
+            <a:spLocks noGrp="1"/>
+          </p:cNvSpPr>
+          <p:nvPr>
+            <p:ph idx="1"/>
+          </p:nvPr>
+        </p:nvSpPr>
+        <p:spPr>
+          <a:xfrm>
+            <a:off x="345831" y="3429000"/>
+            <a:ext cx="10515600" cy="3108448"/>
+          </a:xfrm>
+        </p:spPr>
+        <p:txBody>
+          <a:bodyPr>
+            <a:normAutofit/>
+          </a:bodyPr>
+          <a:lstStyle/>
+          <a:p>
+            <a:r>
+              <a:rPr lang="en-US" sz="5400" b="1" dirty="0"/>
+              <a:t>“The Q-network learns by predicting its own future — it bootstraps intelligence from reward and recursion.”</a:t>
+            </a:r>
+            <a:endParaRPr lang="en-IN" sz="5400" b="1" dirty="0"/>
+          </a:p>
+        </p:txBody>
+      </p:sp>
+    </p:spTree>
+    <p:extLst>
+      <p:ext uri="{BB962C8B-B14F-4D97-AF65-F5344CB8AC3E}">
+        <p14:creationId xmlns:p14="http://schemas.microsoft.com/office/powerpoint/2010/main" val="3292191304"/>
+      </p:ext>
+    </p:extLst>
+  </p:cSld>
+  <p:clrMapOvr>
+    <a:masterClrMapping/>
+  </p:clrMapOvr>
+</p:sld>
+</file>
+
+<file path=ppt/slides/slide13.xml><?xml version="1.0" encoding="utf-8"?>
+<p:sld xmlns:a="http://schemas.openxmlformats.org/drawingml/2006/main" xmlns:r="http://schemas.openxmlformats.org/officeDocument/2006/relationships" xmlns:p="http://schemas.openxmlformats.org/presentationml/2006/main">
+  <p:cSld>
+    <p:spTree>
+      <p:nvGrpSpPr>
+        <p:cNvPr id="1" name=""/>
+        <p:cNvGrpSpPr/>
+        <p:nvPr/>
+      </p:nvGrpSpPr>
+      <p:grpSpPr>
+        <a:xfrm>
+          <a:off x="0" y="0"/>
+          <a:ext cx="0" cy="0"/>
+          <a:chOff x="0" y="0"/>
+          <a:chExt cx="0" cy="0"/>
+        </a:xfrm>
+      </p:grpSpPr>
+      <p:pic>
+        <p:nvPicPr>
+          <p:cNvPr id="5" name="Picture 4">
+            <a:extLst>
+              <a:ext uri="{FF2B5EF4-FFF2-40B4-BE49-F238E27FC236}">
+                <a16:creationId xmlns:a16="http://schemas.microsoft.com/office/drawing/2014/main" id="{0D8D9F54-A2CA-86B3-E646-B210D0D76506}"/>
+              </a:ext>
+            </a:extLst>
+          </p:cNvPr>
+          <p:cNvPicPr>
+            <a:picLocks noChangeAspect="1"/>
+          </p:cNvPicPr>
+          <p:nvPr/>
+        </p:nvPicPr>
+        <p:blipFill>
+          <a:blip r:embed="rId2"/>
+          <a:stretch>
+            <a:fillRect/>
+          </a:stretch>
+        </p:blipFill>
+        <p:spPr>
+          <a:xfrm>
+            <a:off x="2367340" y="0"/>
+            <a:ext cx="7334228" cy="6858000"/>
+          </a:xfrm>
+          <a:prstGeom prst="rect">
+            <a:avLst/>
+          </a:prstGeom>
+        </p:spPr>
+      </p:pic>
+    </p:spTree>
+    <p:extLst>
+      <p:ext uri="{BB962C8B-B14F-4D97-AF65-F5344CB8AC3E}">
+        <p14:creationId xmlns:p14="http://schemas.microsoft.com/office/powerpoint/2010/main" val="1804466410"/>
+      </p:ext>
+    </p:extLst>
+  </p:cSld>
+  <p:clrMapOvr>
+    <a:masterClrMapping/>
+  </p:clrMapOvr>
+</p:sld>
+</file>
+
+<file path=ppt/slides/slide14.xml><?xml version="1.0" encoding="utf-8"?>
+<p:sld xmlns:a="http://schemas.openxmlformats.org/drawingml/2006/main" xmlns:r="http://schemas.openxmlformats.org/officeDocument/2006/relationships" xmlns:p="http://schemas.openxmlformats.org/presentationml/2006/main">
+  <p:cSld>
+    <p:spTree>
+      <p:nvGrpSpPr>
+        <p:cNvPr id="1" name=""/>
+        <p:cNvGrpSpPr/>
+        <p:nvPr/>
+      </p:nvGrpSpPr>
+      <p:grpSpPr>
+        <a:xfrm>
+          <a:off x="0" y="0"/>
+          <a:ext cx="0" cy="0"/>
+          <a:chOff x="0" y="0"/>
+          <a:chExt cx="0" cy="0"/>
+        </a:xfrm>
+      </p:grpSpPr>
+      <p:sp>
+        <p:nvSpPr>
+          <p:cNvPr id="2" name="Title 1">
+            <a:extLst>
+              <a:ext uri="{FF2B5EF4-FFF2-40B4-BE49-F238E27FC236}">
+                <a16:creationId xmlns:a16="http://schemas.microsoft.com/office/drawing/2014/main" id="{B7B85758-6B71-3C6D-BBD3-F93FC853E5BD}"/>
+              </a:ext>
+            </a:extLst>
+          </p:cNvPr>
+          <p:cNvSpPr>
+            <a:spLocks noGrp="1"/>
+          </p:cNvSpPr>
+          <p:nvPr>
+            <p:ph type="title"/>
+          </p:nvPr>
+        </p:nvSpPr>
+        <p:spPr>
+          <a:xfrm>
+            <a:off x="934915" y="2396148"/>
+            <a:ext cx="10515600" cy="1325563"/>
+          </a:xfrm>
+        </p:spPr>
+        <p:txBody>
+          <a:bodyPr>
+            <a:noAutofit/>
+          </a:bodyPr>
+          <a:lstStyle/>
+          <a:p>
+            <a:r>
+              <a:rPr lang="en-US" sz="9600" dirty="0">
+                <a:hlinkClick r:id="rId2"/>
+              </a:rPr>
+              <a:t>Image Processing</a:t>
+            </a:r>
+            <a:endParaRPr lang="en-IN" sz="9600" dirty="0"/>
+          </a:p>
+        </p:txBody>
+      </p:sp>
+    </p:spTree>
+    <p:extLst>
+      <p:ext uri="{BB962C8B-B14F-4D97-AF65-F5344CB8AC3E}">
+        <p14:creationId xmlns:p14="http://schemas.microsoft.com/office/powerpoint/2010/main" val="1351623704"/>
+      </p:ext>
+    </p:extLst>
+  </p:cSld>
+  <p:clrMapOvr>
+    <a:masterClrMapping/>
+  </p:clrMapOvr>
+</p:sld>
+</file>
+
+<file path=ppt/slides/slide15.xml><?xml version="1.0" encoding="utf-8"?>
+<p:sld xmlns:a="http://schemas.openxmlformats.org/drawingml/2006/main" xmlns:r="http://schemas.openxmlformats.org/officeDocument/2006/relationships" xmlns:p="http://schemas.openxmlformats.org/presentationml/2006/main">
+  <p:cSld>
+    <p:spTree>
+      <p:nvGrpSpPr>
+        <p:cNvPr id="1" name=""/>
+        <p:cNvGrpSpPr/>
+        <p:nvPr/>
+      </p:nvGrpSpPr>
+      <p:grpSpPr>
+        <a:xfrm>
+          <a:off x="0" y="0"/>
+          <a:ext cx="0" cy="0"/>
+          <a:chOff x="0" y="0"/>
+          <a:chExt cx="0" cy="0"/>
+        </a:xfrm>
+      </p:grpSpPr>
+      <p:sp>
+        <p:nvSpPr>
+          <p:cNvPr id="2" name="Title 1">
+            <a:extLst>
+              <a:ext uri="{FF2B5EF4-FFF2-40B4-BE49-F238E27FC236}">
+                <a16:creationId xmlns:a16="http://schemas.microsoft.com/office/drawing/2014/main" id="{E982D941-3678-9D88-D793-EBFED833896D}"/>
+              </a:ext>
+            </a:extLst>
+          </p:cNvPr>
+          <p:cNvSpPr>
+            <a:spLocks noGrp="1"/>
+          </p:cNvSpPr>
+          <p:nvPr>
+            <p:ph type="title"/>
+          </p:nvPr>
+        </p:nvSpPr>
+        <p:spPr>
+          <a:xfrm>
+            <a:off x="548054" y="2308225"/>
+            <a:ext cx="10515600" cy="1325563"/>
+          </a:xfrm>
+        </p:spPr>
+        <p:txBody>
+          <a:bodyPr>
+            <a:noAutofit/>
+          </a:bodyPr>
+          <a:lstStyle/>
+          <a:p>
+            <a:r>
+              <a:rPr lang="en-US" sz="9600" b="1" dirty="0">
+                <a:hlinkClick r:id="rId2"/>
+              </a:rPr>
+              <a:t>Training a Neural Net</a:t>
+            </a:r>
+            <a:endParaRPr lang="en-IN" sz="9600" b="1" dirty="0"/>
+          </a:p>
+        </p:txBody>
+      </p:sp>
+    </p:spTree>
+    <p:extLst>
+      <p:ext uri="{BB962C8B-B14F-4D97-AF65-F5344CB8AC3E}">
+        <p14:creationId xmlns:p14="http://schemas.microsoft.com/office/powerpoint/2010/main" val="261043298"/>
+      </p:ext>
+    </p:extLst>
+  </p:cSld>
+  <p:clrMapOvr>
+    <a:masterClrMapping/>
+  </p:clrMapOvr>
+</p:sld>
+</file>
+
+<file path=ppt/slides/slide16.xml><?xml version="1.0" encoding="utf-8"?>
+<p:sld xmlns:a="http://schemas.openxmlformats.org/drawingml/2006/main" xmlns:r="http://schemas.openxmlformats.org/officeDocument/2006/relationships" xmlns:p="http://schemas.openxmlformats.org/presentationml/2006/main">
+  <p:cSld>
+    <p:spTree>
+      <p:nvGrpSpPr>
+        <p:cNvPr id="1" name=""/>
+        <p:cNvGrpSpPr/>
+        <p:nvPr/>
+      </p:nvGrpSpPr>
+      <p:grpSpPr>
+        <a:xfrm>
+          <a:off x="0" y="0"/>
+          <a:ext cx="0" cy="0"/>
+          <a:chOff x="0" y="0"/>
+          <a:chExt cx="0" cy="0"/>
+        </a:xfrm>
+      </p:grpSpPr>
+      <p:sp>
+        <p:nvSpPr>
+          <p:cNvPr id="2" name="Title 1">
+            <a:extLst>
+              <a:ext uri="{FF2B5EF4-FFF2-40B4-BE49-F238E27FC236}">
+                <a16:creationId xmlns:a16="http://schemas.microsoft.com/office/drawing/2014/main" id="{2DD6B7DB-8899-18F2-2EF4-CC77B7D5C007}"/>
+              </a:ext>
+            </a:extLst>
+          </p:cNvPr>
+          <p:cNvSpPr>
+            <a:spLocks noGrp="1"/>
+          </p:cNvSpPr>
+          <p:nvPr>
+            <p:ph type="title"/>
+          </p:nvPr>
+        </p:nvSpPr>
+        <p:spPr>
+          <a:xfrm>
+            <a:off x="917331" y="2308225"/>
+            <a:ext cx="10515600" cy="1325563"/>
+          </a:xfrm>
+        </p:spPr>
+        <p:txBody>
+          <a:bodyPr/>
+          <a:lstStyle/>
+          <a:p>
+            <a:r>
+              <a:rPr lang="en-US" dirty="0">
+                <a:latin typeface="Segoe UI Semibold" panose="020B0702040204020203" pitchFamily="34" charset="0"/>
+                <a:cs typeface="Segoe UI Semibold" panose="020B0702040204020203" pitchFamily="34" charset="0"/>
+                <a:hlinkClick r:id="rId2"/>
+              </a:rPr>
+              <a:t>Production Neural Network </a:t>
+            </a:r>
+            <a:endParaRPr lang="en-IN" dirty="0">
+              <a:latin typeface="Segoe UI Semibold" panose="020B0702040204020203" pitchFamily="34" charset="0"/>
+              <a:cs typeface="Segoe UI Semibold" panose="020B0702040204020203" pitchFamily="34" charset="0"/>
+            </a:endParaRPr>
+          </a:p>
+        </p:txBody>
+      </p:sp>
+    </p:spTree>
+    <p:extLst>
+      <p:ext uri="{BB962C8B-B14F-4D97-AF65-F5344CB8AC3E}">
+        <p14:creationId xmlns:p14="http://schemas.microsoft.com/office/powerpoint/2010/main" val="1684130987"/>
+      </p:ext>
+    </p:extLst>
+  </p:cSld>
+  <p:clrMapOvr>
+    <a:masterClrMapping/>
+  </p:clrMapOvr>
+</p:sld>
+</file>
+
+<file path=ppt/slides/slide17.xml><?xml version="1.0" encoding="utf-8"?>
+<p:sld xmlns:a="http://schemas.openxmlformats.org/drawingml/2006/main" xmlns:r="http://schemas.openxmlformats.org/officeDocument/2006/relationships" xmlns:p="http://schemas.openxmlformats.org/presentationml/2006/main">
+  <p:cSld>
+    <p:spTree>
+      <p:nvGrpSpPr>
+        <p:cNvPr id="1" name=""/>
+        <p:cNvGrpSpPr/>
+        <p:nvPr/>
+      </p:nvGrpSpPr>
+      <p:grpSpPr>
+        <a:xfrm>
+          <a:off x="0" y="0"/>
+          <a:ext cx="0" cy="0"/>
+          <a:chOff x="0" y="0"/>
+          <a:chExt cx="0" cy="0"/>
+        </a:xfrm>
+      </p:grpSpPr>
+      <p:sp>
+        <p:nvSpPr>
+          <p:cNvPr id="2" name="Title 1">
+            <a:extLst>
+              <a:ext uri="{FF2B5EF4-FFF2-40B4-BE49-F238E27FC236}">
+                <a16:creationId xmlns:a16="http://schemas.microsoft.com/office/drawing/2014/main" id="{E13605EE-62D4-2ECB-7E2B-9AF77DBD48EB}"/>
+              </a:ext>
+            </a:extLst>
+          </p:cNvPr>
+          <p:cNvSpPr>
+            <a:spLocks noGrp="1"/>
+          </p:cNvSpPr>
+          <p:nvPr>
+            <p:ph type="title"/>
+          </p:nvPr>
+        </p:nvSpPr>
+        <p:spPr/>
+        <p:txBody>
+          <a:bodyPr/>
+          <a:lstStyle/>
+          <a:p>
+            <a:r>
+              <a:rPr lang="en-US" dirty="0">
+                <a:latin typeface="Segoe UI Semibold" panose="020B0702040204020203" pitchFamily="34" charset="0"/>
+                <a:cs typeface="Segoe UI Semibold" panose="020B0702040204020203" pitchFamily="34" charset="0"/>
+              </a:rPr>
+              <a:t>Results</a:t>
+            </a:r>
+            <a:endParaRPr lang="en-IN" dirty="0">
+              <a:latin typeface="Segoe UI Semibold" panose="020B0702040204020203" pitchFamily="34" charset="0"/>
+              <a:cs typeface="Segoe UI Semibold" panose="020B0702040204020203" pitchFamily="34" charset="0"/>
+            </a:endParaRPr>
+          </a:p>
+        </p:txBody>
+      </p:sp>
+      <p:pic>
+        <p:nvPicPr>
+          <p:cNvPr id="4" name="pong_best_model_gameplay">
+            <a:hlinkClick r:id="" action="ppaction://media"/>
+            <a:extLst>
+              <a:ext uri="{FF2B5EF4-FFF2-40B4-BE49-F238E27FC236}">
+                <a16:creationId xmlns:a16="http://schemas.microsoft.com/office/drawing/2014/main" id="{446CBAC1-0565-4C3A-A6AF-0AE4F6435BF6}"/>
+              </a:ext>
+            </a:extLst>
+          </p:cNvPr>
+          <p:cNvPicPr>
+            <a:picLocks noChangeAspect="1"/>
+          </p:cNvPicPr>
+          <p:nvPr>
+            <a:videoFile r:link="rId2"/>
+            <p:extLst>
+              <p:ext uri="{DAA4B4D4-6D71-4841-9C94-3DE7FCFB9230}">
+                <p14:media xmlns:p14="http://schemas.microsoft.com/office/powerpoint/2010/main" r:embed="rId1"/>
+              </p:ext>
+            </p:extLst>
+          </p:nvPr>
+        </p:nvPicPr>
+        <p:blipFill>
+          <a:blip r:embed="rId4"/>
+          <a:stretch>
+            <a:fillRect/>
+          </a:stretch>
+        </p:blipFill>
+        <p:spPr>
+          <a:xfrm>
+            <a:off x="2347545" y="1378806"/>
+            <a:ext cx="8168054" cy="5429005"/>
+          </a:xfrm>
+          <a:prstGeom prst="rect">
+            <a:avLst/>
+          </a:prstGeom>
+        </p:spPr>
+      </p:pic>
+    </p:spTree>
+    <p:extLst>
+      <p:ext uri="{BB962C8B-B14F-4D97-AF65-F5344CB8AC3E}">
+        <p14:creationId xmlns:p14="http://schemas.microsoft.com/office/powerpoint/2010/main" val="2626839556"/>
+      </p:ext>
+    </p:extLst>
+  </p:cSld>
+  <p:clrMapOvr>
+    <a:masterClrMapping/>
+  </p:clrMapOvr>
+  <p:timing>
+    <p:tnLst>
+      <p:par>
+        <p:cTn id="1" dur="indefinite" restart="never" nodeType="tmRoot">
+          <p:childTnLst>
+            <p:seq concurrent="1" nextAc="seek">
+              <p:cTn id="2" dur="indefinite" nodeType="mainSeq">
+                <p:childTnLst>
+                  <p:par>
+                    <p:cTn id="3" fill="hold">
+                      <p:stCondLst>
+                        <p:cond delay="indefinite"/>
+                      </p:stCondLst>
+                      <p:childTnLst>
+                        <p:par>
+                          <p:cTn id="4" fill="hold">
+                            <p:stCondLst>
+                              <p:cond delay="0"/>
+                            </p:stCondLst>
+                            <p:childTnLst>
+                              <p:par>
+                                <p:cTn id="5" presetID="1" presetClass="mediacall" presetSubtype="0" fill="hold" nodeType="clickEffect">
+                                  <p:stCondLst>
+                                    <p:cond delay="0"/>
+                                  </p:stCondLst>
+                                  <p:childTnLst>
+                                    <p:cmd type="call" cmd="playFrom(0.0)">
+                                      <p:cBhvr>
+                                        <p:cTn id="6" dur="265166" fill="hold"/>
+                                        <p:tgtEl>
+                                          <p:spTgt spid="4"/>
+                                        </p:tgtEl>
+                                      </p:cBhvr>
+                                    </p:cmd>
+                                  </p:childTnLst>
+                                </p:cTn>
+                              </p:par>
+                            </p:childTnLst>
+                          </p:cTn>
+                        </p:par>
+                      </p:childTnLst>
+                    </p:cTn>
+                  </p:par>
+                </p:childTnLst>
+              </p:cTn>
+              <p:prevCondLst>
+                <p:cond evt="onPrev" delay="0">
+                  <p:tgtEl>
+                    <p:sldTgt/>
+                  </p:tgtEl>
+                </p:cond>
+              </p:prevCondLst>
+              <p:nextCondLst>
+                <p:cond evt="onNext" delay="0">
+                  <p:tgtEl>
+                    <p:sldTgt/>
+                  </p:tgtEl>
+                </p:cond>
+              </p:nextCondLst>
+            </p:seq>
+            <p:video>
+              <p:cMediaNode vol="80000">
+                <p:cTn id="7" fill="hold" display="0">
+                  <p:stCondLst>
+                    <p:cond delay="indefinite"/>
+                  </p:stCondLst>
+                </p:cTn>
+                <p:tgtEl>
+                  <p:spTgt spid="4"/>
+                </p:tgtEl>
+              </p:cMediaNode>
+            </p:video>
+            <p:seq concurrent="1" nextAc="seek">
+              <p:cTn id="8" restart="whenNotActive" fill="hold" evtFilter="cancelBubble" nodeType="interactiveSeq">
+                <p:stCondLst>
+                  <p:cond evt="onClick" delay="0">
+                    <p:tgtEl>
+                      <p:spTgt spid="4"/>
+                    </p:tgtEl>
+                  </p:cond>
+                </p:stCondLst>
+                <p:endSync evt="end" delay="0">
+                  <p:rtn val="all"/>
+                </p:endSync>
+                <p:childTnLst>
+                  <p:par>
+                    <p:cTn id="9" fill="hold">
+                      <p:stCondLst>
+                        <p:cond delay="0"/>
+                      </p:stCondLst>
+                      <p:childTnLst>
+                        <p:par>
+                          <p:cTn id="10" fill="hold">
+                            <p:stCondLst>
+                              <p:cond delay="0"/>
+                            </p:stCondLst>
+                            <p:childTnLst>
+                              <p:par>
+                                <p:cTn id="11" presetID="2" presetClass="mediacall" presetSubtype="0" fill="hold" nodeType="clickEffect">
+                                  <p:stCondLst>
+                                    <p:cond delay="0"/>
+                                  </p:stCondLst>
+                                  <p:childTnLst>
+                                    <p:cmd type="call" cmd="togglePause">
+                                      <p:cBhvr>
+                                        <p:cTn id="12" dur="1" fill="hold"/>
+                                        <p:tgtEl>
+                                          <p:spTgt spid="4"/>
+                                        </p:tgtEl>
+                                      </p:cBhvr>
+                                    </p:cmd>
+                                  </p:childTnLst>
+                                </p:cTn>
+                              </p:par>
+                            </p:childTnLst>
+                          </p:cTn>
+                        </p:par>
+                      </p:childTnLst>
+                    </p:cTn>
+                  </p:par>
+                </p:childTnLst>
+              </p:cTn>
+              <p:nextCondLst>
+                <p:cond evt="onClick" delay="0">
+                  <p:tgtEl>
+                    <p:spTgt spid="4"/>
+                  </p:tgtEl>
+                </p:cond>
+              </p:nextCondLst>
+            </p:seq>
+          </p:childTnLst>
+        </p:cTn>
+      </p:par>
+    </p:tnLst>
+  </p:timing>
+</p:sld>
+</file>
+
+<file path=ppt/slides/slide18.xml><?xml version="1.0" encoding="utf-8"?>
+<p:sld xmlns:a="http://schemas.openxmlformats.org/drawingml/2006/main" xmlns:r="http://schemas.openxmlformats.org/officeDocument/2006/relationships" xmlns:p="http://schemas.openxmlformats.org/presentationml/2006/main">
+  <p:cSld>
+    <p:spTree>
+      <p:nvGrpSpPr>
+        <p:cNvPr id="1" name=""/>
+        <p:cNvGrpSpPr/>
+        <p:nvPr/>
+      </p:nvGrpSpPr>
+      <p:grpSpPr>
+        <a:xfrm>
+          <a:off x="0" y="0"/>
+          <a:ext cx="0" cy="0"/>
+          <a:chOff x="0" y="0"/>
+          <a:chExt cx="0" cy="0"/>
+        </a:xfrm>
+      </p:grpSpPr>
+      <p:sp>
+        <p:nvSpPr>
+          <p:cNvPr id="2" name="Title 1">
+            <a:extLst>
+              <a:ext uri="{FF2B5EF4-FFF2-40B4-BE49-F238E27FC236}">
+                <a16:creationId xmlns:a16="http://schemas.microsoft.com/office/drawing/2014/main" id="{2E6259D3-6F24-0786-15CC-ED5389DCBC18}"/>
+              </a:ext>
+            </a:extLst>
+          </p:cNvPr>
+          <p:cNvSpPr>
+            <a:spLocks noGrp="1"/>
+          </p:cNvSpPr>
+          <p:nvPr>
+            <p:ph type="title"/>
+          </p:nvPr>
+        </p:nvSpPr>
+        <p:spPr>
+          <a:xfrm>
+            <a:off x="205154" y="0"/>
+            <a:ext cx="10515600" cy="1325563"/>
+          </a:xfrm>
+        </p:spPr>
+        <p:txBody>
+          <a:bodyPr/>
+          <a:lstStyle/>
+          <a:p>
+            <a:r>
+              <a:rPr lang="en-US" dirty="0">
+                <a:latin typeface="Segoe UI Semibold" panose="020B0702040204020203" pitchFamily="34" charset="0"/>
+                <a:cs typeface="Segoe UI Semibold" panose="020B0702040204020203" pitchFamily="34" charset="0"/>
+              </a:rPr>
+              <a:t>Analysis</a:t>
+            </a:r>
+            <a:endParaRPr lang="en-IN" dirty="0">
+              <a:latin typeface="Segoe UI Semibold" panose="020B0702040204020203" pitchFamily="34" charset="0"/>
+              <a:cs typeface="Segoe UI Semibold" panose="020B0702040204020203" pitchFamily="34" charset="0"/>
+            </a:endParaRPr>
+          </a:p>
+        </p:txBody>
+      </p:sp>
+      <p:pic>
+        <p:nvPicPr>
+          <p:cNvPr id="5" name="Picture 4">
+            <a:extLst>
+              <a:ext uri="{FF2B5EF4-FFF2-40B4-BE49-F238E27FC236}">
+                <a16:creationId xmlns:a16="http://schemas.microsoft.com/office/drawing/2014/main" id="{B3DB37DA-7D3D-95E3-DF71-A0A1D81E3F79}"/>
+              </a:ext>
+            </a:extLst>
+          </p:cNvPr>
+          <p:cNvPicPr>
+            <a:picLocks noChangeAspect="1"/>
+          </p:cNvPicPr>
+          <p:nvPr/>
+        </p:nvPicPr>
+        <p:blipFill>
+          <a:blip r:embed="rId2">
+            <a:extLst>
+              <a:ext uri="{28A0092B-C50C-407E-A947-70E740481C1C}">
+                <a14:useLocalDpi xmlns:a14="http://schemas.microsoft.com/office/drawing/2010/main" val="0"/>
+              </a:ext>
+            </a:extLst>
+          </a:blip>
+          <a:stretch>
+            <a:fillRect/>
+          </a:stretch>
+        </p:blipFill>
+        <p:spPr>
+          <a:xfrm>
+            <a:off x="1301797" y="1125415"/>
+            <a:ext cx="9120018" cy="5416062"/>
+          </a:xfrm>
+          <a:prstGeom prst="rect">
+            <a:avLst/>
+          </a:prstGeom>
+        </p:spPr>
+      </p:pic>
+    </p:spTree>
+    <p:extLst>
+      <p:ext uri="{BB962C8B-B14F-4D97-AF65-F5344CB8AC3E}">
+        <p14:creationId xmlns:p14="http://schemas.microsoft.com/office/powerpoint/2010/main" val="4174370652"/>
+      </p:ext>
+    </p:extLst>
+  </p:cSld>
+  <p:clrMapOvr>
+    <a:masterClrMapping/>
+  </p:clrMapOvr>
+</p:sld>
+</file>
+
+<file path=ppt/slides/slide19.xml><?xml version="1.0" encoding="utf-8"?>
+<p:sld xmlns:a="http://schemas.openxmlformats.org/drawingml/2006/main" xmlns:r="http://schemas.openxmlformats.org/officeDocument/2006/relationships" xmlns:p="http://schemas.openxmlformats.org/presentationml/2006/main">
+  <p:cSld>
+    <p:spTree>
+      <p:nvGrpSpPr>
+        <p:cNvPr id="1" name=""/>
+        <p:cNvGrpSpPr/>
+        <p:nvPr/>
+      </p:nvGrpSpPr>
+      <p:grpSpPr>
+        <a:xfrm>
+          <a:off x="0" y="0"/>
+          <a:ext cx="0" cy="0"/>
+          <a:chOff x="0" y="0"/>
+          <a:chExt cx="0" cy="0"/>
+        </a:xfrm>
+      </p:grpSpPr>
+      <p:sp>
+        <p:nvSpPr>
+          <p:cNvPr id="2" name="Title 1">
+            <a:extLst>
+              <a:ext uri="{FF2B5EF4-FFF2-40B4-BE49-F238E27FC236}">
+                <a16:creationId xmlns:a16="http://schemas.microsoft.com/office/drawing/2014/main" id="{6EAD8ED2-93DE-204C-D035-57E6F981E0C6}"/>
+              </a:ext>
+            </a:extLst>
+          </p:cNvPr>
+          <p:cNvSpPr>
+            <a:spLocks noGrp="1"/>
+          </p:cNvSpPr>
+          <p:nvPr>
+            <p:ph type="title"/>
+          </p:nvPr>
+        </p:nvSpPr>
+        <p:spPr/>
+        <p:txBody>
+          <a:bodyPr/>
+          <a:lstStyle/>
+          <a:p>
+            <a:r>
+              <a:rPr lang="en-US" dirty="0">
+                <a:latin typeface="Segoe UI Semibold" panose="020B0702040204020203" pitchFamily="34" charset="0"/>
+                <a:cs typeface="Segoe UI Semibold" panose="020B0702040204020203" pitchFamily="34" charset="0"/>
+              </a:rPr>
+              <a:t>Final Comments</a:t>
+            </a:r>
+            <a:endParaRPr lang="en-IN" dirty="0">
+              <a:latin typeface="Segoe UI Semibold" panose="020B0702040204020203" pitchFamily="34" charset="0"/>
+              <a:cs typeface="Segoe UI Semibold" panose="020B0702040204020203" pitchFamily="34" charset="0"/>
+            </a:endParaRPr>
+          </a:p>
+        </p:txBody>
+      </p:sp>
+      <p:pic>
+        <p:nvPicPr>
+          <p:cNvPr id="16" name="Picture 15">
+            <a:extLst>
+              <a:ext uri="{FF2B5EF4-FFF2-40B4-BE49-F238E27FC236}">
+                <a16:creationId xmlns:a16="http://schemas.microsoft.com/office/drawing/2014/main" id="{E91CB6AD-9018-6794-E889-470DD7BB643F}"/>
+              </a:ext>
+            </a:extLst>
+          </p:cNvPr>
+          <p:cNvPicPr>
+            <a:picLocks noChangeAspect="1"/>
+          </p:cNvPicPr>
+          <p:nvPr/>
+        </p:nvPicPr>
+        <p:blipFill>
+          <a:blip r:embed="rId2"/>
+          <a:stretch>
+            <a:fillRect/>
+          </a:stretch>
+        </p:blipFill>
+        <p:spPr>
+          <a:xfrm>
+            <a:off x="1916723" y="1613022"/>
+            <a:ext cx="9363808" cy="4810125"/>
+          </a:xfrm>
+          <a:prstGeom prst="rect">
+            <a:avLst/>
+          </a:prstGeom>
+        </p:spPr>
+      </p:pic>
+    </p:spTree>
+    <p:extLst>
+      <p:ext uri="{BB962C8B-B14F-4D97-AF65-F5344CB8AC3E}">
+        <p14:creationId xmlns:p14="http://schemas.microsoft.com/office/powerpoint/2010/main" val="1961024255"/>
+      </p:ext>
+    </p:extLst>
+  </p:cSld>
+  <p:clrMapOvr>
+    <a:masterClrMapping/>
+  </p:clrMapOvr>
+</p:sld>
+</file>
+
 <file path=ppt/slides/slide2.xml><?xml version="1.0" encoding="utf-8"?>
 <p:sld xmlns:a="http://schemas.openxmlformats.org/drawingml/2006/main" xmlns:r="http://schemas.openxmlformats.org/officeDocument/2006/relationships" xmlns:p="http://schemas.openxmlformats.org/presentationml/2006/main">
   <p:cSld>
@@ -3513,14 +4631,14 @@
           <a:p>
             <a:r>
               <a:rPr lang="en-US" dirty="0">
-                <a:latin typeface="Segoe UI Light" panose="020B0502040204020203" pitchFamily="34" charset="0"/>
-                <a:cs typeface="Segoe UI Light" panose="020B0502040204020203" pitchFamily="34" charset="0"/>
+                <a:latin typeface="Segoe UI Semibold" panose="020B0702040204020203" pitchFamily="34" charset="0"/>
+                <a:cs typeface="Segoe UI Semibold" panose="020B0702040204020203" pitchFamily="34" charset="0"/>
               </a:rPr>
               <a:t>What is Atari?</a:t>
             </a:r>
             <a:endParaRPr lang="en-IN" dirty="0">
-              <a:latin typeface="Segoe UI Light" panose="020B0502040204020203" pitchFamily="34" charset="0"/>
-              <a:cs typeface="Segoe UI Light" panose="020B0502040204020203" pitchFamily="34" charset="0"/>
+              <a:latin typeface="Segoe UI Semibold" panose="020B0702040204020203" pitchFamily="34" charset="0"/>
+              <a:cs typeface="Segoe UI Semibold" panose="020B0702040204020203" pitchFamily="34" charset="0"/>
             </a:endParaRPr>
           </a:p>
         </p:txBody>
@@ -3736,8 +4854,8 @@
                 <a:solidFill>
                   <a:schemeClr val="accent6"/>
                 </a:solidFill>
-                <a:latin typeface="Segoe UI Light" panose="020B0502040204020203" pitchFamily="34" charset="0"/>
-                <a:cs typeface="Segoe UI Light" panose="020B0502040204020203" pitchFamily="34" charset="0"/>
+                <a:latin typeface="Segoe UI Semibold" panose="020B0702040204020203" pitchFamily="34" charset="0"/>
+                <a:cs typeface="Segoe UI Semibold" panose="020B0702040204020203" pitchFamily="34" charset="0"/>
               </a:rPr>
               <a:t>PONG</a:t>
             </a:r>
@@ -3745,8 +4863,8 @@
               <a:solidFill>
                 <a:schemeClr val="accent6"/>
               </a:solidFill>
-              <a:latin typeface="Segoe UI Light" panose="020B0502040204020203" pitchFamily="34" charset="0"/>
-              <a:cs typeface="Segoe UI Light" panose="020B0502040204020203" pitchFamily="34" charset="0"/>
+              <a:latin typeface="Segoe UI Semibold" panose="020B0702040204020203" pitchFamily="34" charset="0"/>
+              <a:cs typeface="Segoe UI Semibold" panose="020B0702040204020203" pitchFamily="34" charset="0"/>
             </a:endParaRPr>
           </a:p>
         </p:txBody>
@@ -3896,14 +5014,14 @@
           <a:p>
             <a:r>
               <a:rPr lang="en-US" dirty="0">
-                <a:latin typeface="Segoe UI Light" panose="020B0502040204020203" pitchFamily="34" charset="0"/>
-                <a:cs typeface="Segoe UI Light" panose="020B0502040204020203" pitchFamily="34" charset="0"/>
+                <a:latin typeface="Segoe UI Semibold" panose="020B0702040204020203" pitchFamily="34" charset="0"/>
+                <a:cs typeface="Segoe UI Semibold" panose="020B0702040204020203" pitchFamily="34" charset="0"/>
               </a:rPr>
               <a:t>BRICK BREAKER</a:t>
             </a:r>
             <a:endParaRPr lang="en-IN" dirty="0">
-              <a:latin typeface="Segoe UI Light" panose="020B0502040204020203" pitchFamily="34" charset="0"/>
-              <a:cs typeface="Segoe UI Light" panose="020B0502040204020203" pitchFamily="34" charset="0"/>
+              <a:latin typeface="Segoe UI Semibold" panose="020B0702040204020203" pitchFamily="34" charset="0"/>
+              <a:cs typeface="Segoe UI Semibold" panose="020B0702040204020203" pitchFamily="34" charset="0"/>
             </a:endParaRPr>
           </a:p>
         </p:txBody>
@@ -3961,14 +5079,14 @@
           <a:p>
             <a:r>
               <a:rPr lang="en-US" dirty="0">
-                <a:latin typeface="Segoe UI Semilight" panose="020B0402040204020203" pitchFamily="34" charset="0"/>
-                <a:cs typeface="Segoe UI Semilight" panose="020B0402040204020203" pitchFamily="34" charset="0"/>
+                <a:latin typeface="Segoe UI Semibold" panose="020B0702040204020203" pitchFamily="34" charset="0"/>
+                <a:cs typeface="Segoe UI Semibold" panose="020B0702040204020203" pitchFamily="34" charset="0"/>
               </a:rPr>
               <a:t>What is Reinforcement Learning (RL)?</a:t>
             </a:r>
             <a:endParaRPr lang="en-IN" dirty="0">
-              <a:latin typeface="Segoe UI Semilight" panose="020B0402040204020203" pitchFamily="34" charset="0"/>
-              <a:cs typeface="Segoe UI Semilight" panose="020B0402040204020203" pitchFamily="34" charset="0"/>
+              <a:latin typeface="Segoe UI Semibold" panose="020B0702040204020203" pitchFamily="34" charset="0"/>
+              <a:cs typeface="Segoe UI Semibold" panose="020B0702040204020203" pitchFamily="34" charset="0"/>
             </a:endParaRPr>
           </a:p>
         </p:txBody>
@@ -4175,10 +5293,16 @@
           <a:lstStyle/>
           <a:p>
             <a:r>
-              <a:rPr lang="en-US" dirty="0"/>
+              <a:rPr lang="en-US" dirty="0">
+                <a:latin typeface="Segoe UI Semibold" panose="020B0702040204020203" pitchFamily="34" charset="0"/>
+                <a:cs typeface="Segoe UI Semibold" panose="020B0702040204020203" pitchFamily="34" charset="0"/>
+              </a:rPr>
               <a:t>Why RL? (Now?)</a:t>
             </a:r>
-            <a:endParaRPr lang="en-IN" dirty="0"/>
+            <a:endParaRPr lang="en-IN" dirty="0">
+              <a:latin typeface="Segoe UI Semibold" panose="020B0702040204020203" pitchFamily="34" charset="0"/>
+              <a:cs typeface="Segoe UI Semibold" panose="020B0702040204020203" pitchFamily="34" charset="0"/>
+            </a:endParaRPr>
           </a:p>
         </p:txBody>
       </p:sp>
@@ -4387,10 +5511,16 @@
           <a:lstStyle/>
           <a:p>
             <a:r>
-              <a:rPr lang="en-US" dirty="0"/>
+              <a:rPr lang="en-US" dirty="0">
+                <a:latin typeface="Segoe UI Semibold" panose="020B0702040204020203" pitchFamily="34" charset="0"/>
+                <a:cs typeface="Segoe UI Semibold" panose="020B0702040204020203" pitchFamily="34" charset="0"/>
+              </a:rPr>
               <a:t>RL IS NO HYPE</a:t>
             </a:r>
-            <a:endParaRPr lang="en-IN" dirty="0"/>
+            <a:endParaRPr lang="en-IN" dirty="0">
+              <a:latin typeface="Segoe UI Semibold" panose="020B0702040204020203" pitchFamily="34" charset="0"/>
+              <a:cs typeface="Segoe UI Semibold" panose="020B0702040204020203" pitchFamily="34" charset="0"/>
+            </a:endParaRPr>
           </a:p>
         </p:txBody>
       </p:sp>
@@ -4481,10 +5611,16 @@
           <a:lstStyle/>
           <a:p>
             <a:r>
-              <a:rPr lang="en-US" dirty="0"/>
+              <a:rPr lang="en-US" dirty="0">
+                <a:latin typeface="Segoe UI Semibold" panose="020B0702040204020203" pitchFamily="34" charset="0"/>
+                <a:cs typeface="Segoe UI Semibold" panose="020B0702040204020203" pitchFamily="34" charset="0"/>
+              </a:rPr>
               <a:t>Basic’s Of RL</a:t>
             </a:r>
-            <a:endParaRPr lang="en-IN" dirty="0"/>
+            <a:endParaRPr lang="en-IN" dirty="0">
+              <a:latin typeface="Segoe UI Semibold" panose="020B0702040204020203" pitchFamily="34" charset="0"/>
+              <a:cs typeface="Segoe UI Semibold" panose="020B0702040204020203" pitchFamily="34" charset="0"/>
+            </a:endParaRPr>
           </a:p>
         </p:txBody>
       </p:sp>
@@ -5074,8 +6210,8 @@
                   <a:schemeClr val="tx1"/>
                 </a:solidFill>
                 <a:effectLst/>
-                <a:latin typeface="Segoe UI Semilight" panose="020B0402040204020203" pitchFamily="34" charset="0"/>
-                <a:cs typeface="Segoe UI Semilight" panose="020B0402040204020203" pitchFamily="34" charset="0"/>
+                <a:latin typeface="Segoe UI Semibold" panose="020B0702040204020203" pitchFamily="34" charset="0"/>
+                <a:cs typeface="Segoe UI Semibold" panose="020B0702040204020203" pitchFamily="34" charset="0"/>
               </a:rPr>
               <a:t>🧠 Goal of RL:</a:t>
             </a:r>
@@ -5293,10 +6429,16 @@
           <a:lstStyle/>
           <a:p>
             <a:r>
-              <a:rPr lang="en-US" dirty="0"/>
+              <a:rPr lang="en-US" dirty="0">
+                <a:latin typeface="Segoe UI Semibold" panose="020B0702040204020203" pitchFamily="34" charset="0"/>
+                <a:cs typeface="Segoe UI Semibold" panose="020B0702040204020203" pitchFamily="34" charset="0"/>
+              </a:rPr>
               <a:t>Environment Setup</a:t>
             </a:r>
-            <a:endParaRPr lang="en-IN" dirty="0"/>
+            <a:endParaRPr lang="en-IN" dirty="0">
+              <a:latin typeface="Segoe UI Semibold" panose="020B0702040204020203" pitchFamily="34" charset="0"/>
+              <a:cs typeface="Segoe UI Semibold" panose="020B0702040204020203" pitchFamily="34" charset="0"/>
+            </a:endParaRPr>
           </a:p>
         </p:txBody>
       </p:sp>
@@ -5714,6 +6856,36 @@
           </a:p>
         </p:txBody>
       </p:sp>
+      <p:pic>
+        <p:nvPicPr>
+          <p:cNvPr id="4" name="Picture 3">
+            <a:extLst>
+              <a:ext uri="{FF2B5EF4-FFF2-40B4-BE49-F238E27FC236}">
+                <a16:creationId xmlns:a16="http://schemas.microsoft.com/office/drawing/2014/main" id="{A25B9E96-0783-B864-0DC6-2C703E1E2308}"/>
+              </a:ext>
+            </a:extLst>
+          </p:cNvPr>
+          <p:cNvPicPr>
+            <a:picLocks noChangeAspect="1"/>
+          </p:cNvPicPr>
+          <p:nvPr/>
+        </p:nvPicPr>
+        <p:blipFill>
+          <a:blip r:embed="rId4"/>
+          <a:stretch>
+            <a:fillRect/>
+          </a:stretch>
+        </p:blipFill>
+        <p:spPr>
+          <a:xfrm>
+            <a:off x="8369546" y="1301261"/>
+            <a:ext cx="3505200" cy="4953000"/>
+          </a:xfrm>
+          <a:prstGeom prst="rect">
+            <a:avLst/>
+          </a:prstGeom>
+        </p:spPr>
+      </p:pic>
     </p:spTree>
     <p:extLst>
       <p:ext uri="{BB962C8B-B14F-4D97-AF65-F5344CB8AC3E}">
@@ -5772,14 +6944,14 @@
           <a:p>
             <a:r>
               <a:rPr lang="en-US" dirty="0">
-                <a:latin typeface="Segoe UI Light" panose="020B0502040204020203" pitchFamily="34" charset="0"/>
-                <a:cs typeface="Segoe UI Light" panose="020B0502040204020203" pitchFamily="34" charset="0"/>
+                <a:latin typeface="Segoe UI Semibold" panose="020B0702040204020203" pitchFamily="34" charset="0"/>
+                <a:cs typeface="Segoe UI Semibold" panose="020B0702040204020203" pitchFamily="34" charset="0"/>
               </a:rPr>
               <a:t>What Actions Agent can take?</a:t>
             </a:r>
             <a:endParaRPr lang="en-IN" dirty="0">
-              <a:latin typeface="Segoe UI Light" panose="020B0502040204020203" pitchFamily="34" charset="0"/>
-              <a:cs typeface="Segoe UI Light" panose="020B0502040204020203" pitchFamily="34" charset="0"/>
+              <a:latin typeface="Segoe UI Semibold" panose="020B0702040204020203" pitchFamily="34" charset="0"/>
+              <a:cs typeface="Segoe UI Semibold" panose="020B0702040204020203" pitchFamily="34" charset="0"/>
             </a:endParaRPr>
           </a:p>
         </p:txBody>
